--- a/doc/golang introduction.pptx
+++ b/doc/golang introduction.pptx
@@ -19,6 +19,9 @@
     <p:sldId id="264" r:id="rId16"/>
     <p:sldId id="265" r:id="rId17"/>
     <p:sldId id="266" r:id="rId18"/>
+    <p:sldId id="267" r:id="rId19"/>
+    <p:sldId id="268" r:id="rId20"/>
+    <p:sldId id="269" r:id="rId21"/>
   </p:sldIdLst>
   <p:sldSz cx="13004800" cy="9753600"/>
   <p:notesSz cx="6858000" cy="9144000"/>
@@ -3270,7 +3273,7 @@
       </p:grpSpPr>
       <p:sp>
         <p:nvSpPr>
-          <p:cNvPr id="148" name="练习"/>
+          <p:cNvPr id="148" name="条件判断"/>
           <p:cNvSpPr/>
           <p:nvPr>
             <p:ph type="title"/>
@@ -3287,14 +3290,258 @@
           <a:p>
             <a:pPr/>
             <a:r>
-              <a:t>练习</a:t>
+              <a:t>条件判断</a:t>
             </a:r>
           </a:p>
         </p:txBody>
       </p:sp>
       <p:sp>
         <p:nvSpPr>
-          <p:cNvPr id="149" name="输入：arr = [2,1,4,3,6,5,8,7,10,9]…"/>
+          <p:cNvPr id="149" name="if，else if，else…"/>
+          <p:cNvSpPr/>
+          <p:nvPr>
+            <p:ph type="body" idx="1"/>
+          </p:nvPr>
+        </p:nvSpPr>
+        <p:spPr>
+          <a:prstGeom prst="rect">
+            <a:avLst/>
+          </a:prstGeom>
+        </p:spPr>
+        <p:txBody>
+          <a:bodyPr/>
+          <a:lstStyle/>
+          <a:p>
+            <a:pPr marL="0" indent="0">
+              <a:buSzTx/>
+              <a:buNone/>
+            </a:pPr>
+            <a:r>
+              <a:t>if，else if，else</a:t>
+            </a:r>
+          </a:p>
+          <a:p>
+            <a:pPr marL="0" indent="0">
+              <a:buSzTx/>
+              <a:buNone/>
+            </a:pPr>
+            <a:r>
+              <a:t>switch  case</a:t>
+            </a:r>
+          </a:p>
+        </p:txBody>
+      </p:sp>
+    </p:spTree>
+  </p:cSld>
+  <p:clrMapOvr>
+    <a:masterClrMapping/>
+  </p:clrMapOvr>
+  <p:transition xmlns:p14="http://schemas.microsoft.com/office/powerpoint/2010/main" spd="med" advClick="1"/>
+</p:sld>
+</file>
+
+<file path=ppt/slides/slide12.xml><?xml version="1.0" encoding="utf-8"?>
+<p:sld xmlns:a="http://schemas.openxmlformats.org/drawingml/2006/main" xmlns:r="http://schemas.openxmlformats.org/officeDocument/2006/relationships" xmlns:p="http://schemas.openxmlformats.org/presentationml/2006/main" showMasterSp="1" showMasterPhAnim="1">
+  <p:cSld>
+    <p:spTree>
+      <p:nvGrpSpPr>
+        <p:cNvPr id="1" name=""/>
+        <p:cNvGrpSpPr/>
+        <p:nvPr/>
+      </p:nvGrpSpPr>
+      <p:grpSpPr>
+        <a:xfrm>
+          <a:off x="0" y="0"/>
+          <a:ext cx="0" cy="0"/>
+          <a:chOff x="0" y="0"/>
+          <a:chExt cx="0" cy="0"/>
+        </a:xfrm>
+      </p:grpSpPr>
+      <p:sp>
+        <p:nvSpPr>
+          <p:cNvPr id="151" name="循环控制"/>
+          <p:cNvSpPr/>
+          <p:nvPr>
+            <p:ph type="title"/>
+          </p:nvPr>
+        </p:nvSpPr>
+        <p:spPr>
+          <a:prstGeom prst="rect">
+            <a:avLst/>
+          </a:prstGeom>
+        </p:spPr>
+        <p:txBody>
+          <a:bodyPr/>
+          <a:lstStyle/>
+          <a:p>
+            <a:pPr/>
+            <a:r>
+              <a:t>循环控制</a:t>
+            </a:r>
+          </a:p>
+        </p:txBody>
+      </p:sp>
+      <p:sp>
+        <p:nvSpPr>
+          <p:cNvPr id="152" name="for"/>
+          <p:cNvSpPr/>
+          <p:nvPr>
+            <p:ph type="body" idx="1"/>
+          </p:nvPr>
+        </p:nvSpPr>
+        <p:spPr>
+          <a:prstGeom prst="rect">
+            <a:avLst/>
+          </a:prstGeom>
+        </p:spPr>
+        <p:txBody>
+          <a:bodyPr/>
+          <a:lstStyle>
+            <a:lvl1pPr marL="0" indent="0">
+              <a:buSzTx/>
+              <a:buNone/>
+            </a:lvl1pPr>
+          </a:lstStyle>
+          <a:p>
+            <a:pPr/>
+            <a:r>
+              <a:t>for</a:t>
+            </a:r>
+          </a:p>
+        </p:txBody>
+      </p:sp>
+    </p:spTree>
+  </p:cSld>
+  <p:clrMapOvr>
+    <a:masterClrMapping/>
+  </p:clrMapOvr>
+  <p:transition xmlns:p14="http://schemas.microsoft.com/office/powerpoint/2010/main" spd="med" advClick="1"/>
+</p:sld>
+</file>
+
+<file path=ppt/slides/slide13.xml><?xml version="1.0" encoding="utf-8"?>
+<p:sld xmlns:a="http://schemas.openxmlformats.org/drawingml/2006/main" xmlns:r="http://schemas.openxmlformats.org/officeDocument/2006/relationships" xmlns:p="http://schemas.openxmlformats.org/presentationml/2006/main" showMasterSp="1" showMasterPhAnim="1">
+  <p:cSld>
+    <p:spTree>
+      <p:nvGrpSpPr>
+        <p:cNvPr id="1" name=""/>
+        <p:cNvGrpSpPr/>
+        <p:nvPr/>
+      </p:nvGrpSpPr>
+      <p:grpSpPr>
+        <a:xfrm>
+          <a:off x="0" y="0"/>
+          <a:ext cx="0" cy="0"/>
+          <a:chOff x="0" y="0"/>
+          <a:chExt cx="0" cy="0"/>
+        </a:xfrm>
+      </p:grpSpPr>
+      <p:sp>
+        <p:nvSpPr>
+          <p:cNvPr id="154" name="无条件跳转"/>
+          <p:cNvSpPr/>
+          <p:nvPr>
+            <p:ph type="title"/>
+          </p:nvPr>
+        </p:nvSpPr>
+        <p:spPr>
+          <a:prstGeom prst="rect">
+            <a:avLst/>
+          </a:prstGeom>
+        </p:spPr>
+        <p:txBody>
+          <a:bodyPr/>
+          <a:lstStyle/>
+          <a:p>
+            <a:pPr/>
+            <a:r>
+              <a:t>无条件跳转</a:t>
+            </a:r>
+          </a:p>
+        </p:txBody>
+      </p:sp>
+      <p:sp>
+        <p:nvSpPr>
+          <p:cNvPr id="155" name="break，continue，goto"/>
+          <p:cNvSpPr/>
+          <p:nvPr>
+            <p:ph type="body" idx="1"/>
+          </p:nvPr>
+        </p:nvSpPr>
+        <p:spPr>
+          <a:prstGeom prst="rect">
+            <a:avLst/>
+          </a:prstGeom>
+        </p:spPr>
+        <p:txBody>
+          <a:bodyPr/>
+          <a:lstStyle>
+            <a:lvl1pPr marL="0" indent="0">
+              <a:buSzTx/>
+              <a:buNone/>
+            </a:lvl1pPr>
+          </a:lstStyle>
+          <a:p>
+            <a:pPr/>
+            <a:r>
+              <a:t>break，continue，goto</a:t>
+            </a:r>
+          </a:p>
+        </p:txBody>
+      </p:sp>
+    </p:spTree>
+  </p:cSld>
+  <p:clrMapOvr>
+    <a:masterClrMapping/>
+  </p:clrMapOvr>
+  <p:transition xmlns:p14="http://schemas.microsoft.com/office/powerpoint/2010/main" spd="med" advClick="1"/>
+</p:sld>
+</file>
+
+<file path=ppt/slides/slide14.xml><?xml version="1.0" encoding="utf-8"?>
+<p:sld xmlns:a="http://schemas.openxmlformats.org/drawingml/2006/main" xmlns:r="http://schemas.openxmlformats.org/officeDocument/2006/relationships" xmlns:p="http://schemas.openxmlformats.org/presentationml/2006/main" showMasterSp="1" showMasterPhAnim="1">
+  <p:cSld>
+    <p:spTree>
+      <p:nvGrpSpPr>
+        <p:cNvPr id="1" name=""/>
+        <p:cNvGrpSpPr/>
+        <p:nvPr/>
+      </p:nvGrpSpPr>
+      <p:grpSpPr>
+        <a:xfrm>
+          <a:off x="0" y="0"/>
+          <a:ext cx="0" cy="0"/>
+          <a:chOff x="0" y="0"/>
+          <a:chExt cx="0" cy="0"/>
+        </a:xfrm>
+      </p:grpSpPr>
+      <p:sp>
+        <p:nvSpPr>
+          <p:cNvPr id="157" name="练习"/>
+          <p:cNvSpPr/>
+          <p:nvPr>
+            <p:ph type="title"/>
+          </p:nvPr>
+        </p:nvSpPr>
+        <p:spPr>
+          <a:prstGeom prst="rect">
+            <a:avLst/>
+          </a:prstGeom>
+        </p:spPr>
+        <p:txBody>
+          <a:bodyPr/>
+          <a:lstStyle/>
+          <a:p>
+            <a:pPr/>
+            <a:r>
+              <a:t>练习</a:t>
+            </a:r>
+          </a:p>
+        </p:txBody>
+      </p:sp>
+      <p:sp>
+        <p:nvSpPr>
+          <p:cNvPr id="158" name="输入：arr = [2,1,4,3,6,5,8,7,10,9]…"/>
           <p:cNvSpPr/>
           <p:nvPr>
             <p:ph type="body" idx="1"/>
@@ -3432,16 +3679,6 @@
             </a:pPr>
             <a:r>
               <a:t>流程控制</a:t>
-            </a:r>
-          </a:p>
-          <a:p>
-            <a:pPr>
-              <a:buBlip>
-                <a:blip r:embed="rId2"/>
-              </a:buBlip>
-            </a:pPr>
-            <a:r>
-              <a:t>defer</a:t>
             </a:r>
           </a:p>
         </p:txBody>
